--- a/Calendario2025/Presentaciones/8_1_ACLs.pptx
+++ b/Calendario2025/Presentaciones/8_1_ACLs.pptx
@@ -223,7 +223,7 @@
           <a:p>
             <a:fld id="{2D445F07-8756-451B-A938-0248325FC7BB}" type="datetimeFigureOut">
               <a:rPr lang="es-MX" smtClean="0"/>
-              <a:t>29/10/2024</a:t>
+              <a:t>20/03/2025</a:t>
             </a:fld>
             <a:endParaRPr lang="es-MX" dirty="0"/>
           </a:p>
@@ -1847,7 +1847,7 @@
           <a:p>
             <a:fld id="{5E75A0DC-66C6-4CEC-A5EB-F8C97CEC3796}" type="datetimeFigureOut">
               <a:rPr lang="es-MX" smtClean="0"/>
-              <a:t>29/10/2024</a:t>
+              <a:t>20/03/2025</a:t>
             </a:fld>
             <a:endParaRPr lang="es-MX" dirty="0"/>
           </a:p>
@@ -2017,7 +2017,7 @@
           <a:p>
             <a:fld id="{5E75A0DC-66C6-4CEC-A5EB-F8C97CEC3796}" type="datetimeFigureOut">
               <a:rPr lang="es-MX" smtClean="0"/>
-              <a:t>29/10/2024</a:t>
+              <a:t>20/03/2025</a:t>
             </a:fld>
             <a:endParaRPr lang="es-MX" dirty="0"/>
           </a:p>
@@ -2197,7 +2197,7 @@
           <a:p>
             <a:fld id="{5E75A0DC-66C6-4CEC-A5EB-F8C97CEC3796}" type="datetimeFigureOut">
               <a:rPr lang="es-MX" smtClean="0"/>
-              <a:t>29/10/2024</a:t>
+              <a:t>20/03/2025</a:t>
             </a:fld>
             <a:endParaRPr lang="es-MX" dirty="0"/>
           </a:p>
@@ -2411,7 +2411,7 @@
         <p:fade/>
       </p:transition>
     </mc:Choice>
-    <mc:Fallback xmlns="" xmlns:c15="http://schemas.microsoft.com/office/drawing/2012/chart" xmlns:c="http://schemas.openxmlformats.org/drawingml/2006/chart">
+    <mc:Fallback xmlns:c="http://schemas.openxmlformats.org/drawingml/2006/chart" xmlns:c15="http://schemas.microsoft.com/office/drawing/2012/chart" xmlns="">
       <p:transition xmlns:p14="http://schemas.microsoft.com/office/powerpoint/2010/main" spd="med">
         <p:fade/>
       </p:transition>
@@ -2529,7 +2529,7 @@
           <a:p>
             <a:fld id="{5E75A0DC-66C6-4CEC-A5EB-F8C97CEC3796}" type="datetimeFigureOut">
               <a:rPr lang="es-MX" smtClean="0"/>
-              <a:t>29/10/2024</a:t>
+              <a:t>20/03/2025</a:t>
             </a:fld>
             <a:endParaRPr lang="es-MX" dirty="0"/>
           </a:p>
@@ -2775,7 +2775,7 @@
           <a:p>
             <a:fld id="{5E75A0DC-66C6-4CEC-A5EB-F8C97CEC3796}" type="datetimeFigureOut">
               <a:rPr lang="es-MX" smtClean="0"/>
-              <a:t>29/10/2024</a:t>
+              <a:t>20/03/2025</a:t>
             </a:fld>
             <a:endParaRPr lang="es-MX" dirty="0"/>
           </a:p>
@@ -3063,7 +3063,7 @@
           <a:p>
             <a:fld id="{5E75A0DC-66C6-4CEC-A5EB-F8C97CEC3796}" type="datetimeFigureOut">
               <a:rPr lang="es-MX" smtClean="0"/>
-              <a:t>29/10/2024</a:t>
+              <a:t>20/03/2025</a:t>
             </a:fld>
             <a:endParaRPr lang="es-MX" dirty="0"/>
           </a:p>
@@ -3485,7 +3485,7 @@
           <a:p>
             <a:fld id="{5E75A0DC-66C6-4CEC-A5EB-F8C97CEC3796}" type="datetimeFigureOut">
               <a:rPr lang="es-MX" smtClean="0"/>
-              <a:t>29/10/2024</a:t>
+              <a:t>20/03/2025</a:t>
             </a:fld>
             <a:endParaRPr lang="es-MX" dirty="0"/>
           </a:p>
@@ -3603,7 +3603,7 @@
           <a:p>
             <a:fld id="{5E75A0DC-66C6-4CEC-A5EB-F8C97CEC3796}" type="datetimeFigureOut">
               <a:rPr lang="es-MX" smtClean="0"/>
-              <a:t>29/10/2024</a:t>
+              <a:t>20/03/2025</a:t>
             </a:fld>
             <a:endParaRPr lang="es-MX" dirty="0"/>
           </a:p>
@@ -3698,7 +3698,7 @@
           <a:p>
             <a:fld id="{5E75A0DC-66C6-4CEC-A5EB-F8C97CEC3796}" type="datetimeFigureOut">
               <a:rPr lang="es-MX" smtClean="0"/>
-              <a:t>29/10/2024</a:t>
+              <a:t>20/03/2025</a:t>
             </a:fld>
             <a:endParaRPr lang="es-MX" dirty="0"/>
           </a:p>
@@ -3975,7 +3975,7 @@
           <a:p>
             <a:fld id="{5E75A0DC-66C6-4CEC-A5EB-F8C97CEC3796}" type="datetimeFigureOut">
               <a:rPr lang="es-MX" smtClean="0"/>
-              <a:t>29/10/2024</a:t>
+              <a:t>20/03/2025</a:t>
             </a:fld>
             <a:endParaRPr lang="es-MX" dirty="0"/>
           </a:p>
@@ -4228,7 +4228,7 @@
           <a:p>
             <a:fld id="{5E75A0DC-66C6-4CEC-A5EB-F8C97CEC3796}" type="datetimeFigureOut">
               <a:rPr lang="es-MX" smtClean="0"/>
-              <a:t>29/10/2024</a:t>
+              <a:t>20/03/2025</a:t>
             </a:fld>
             <a:endParaRPr lang="es-MX" dirty="0"/>
           </a:p>
@@ -4441,7 +4441,7 @@
           <a:p>
             <a:fld id="{5E75A0DC-66C6-4CEC-A5EB-F8C97CEC3796}" type="datetimeFigureOut">
               <a:rPr lang="es-MX" smtClean="0"/>
-              <a:t>29/10/2024</a:t>
+              <a:t>20/03/2025</a:t>
             </a:fld>
             <a:endParaRPr lang="es-MX" dirty="0"/>
           </a:p>
@@ -6497,7 +6497,7 @@
         <p:fade/>
       </p:transition>
     </mc:Choice>
-    <mc:Fallback xmlns:c15="http://schemas.microsoft.com/office/drawing/2012/chart" xmlns:c="http://schemas.openxmlformats.org/drawingml/2006/chart" xmlns="">
+    <mc:Fallback xmlns="" xmlns:c="http://schemas.openxmlformats.org/drawingml/2006/chart" xmlns:c15="http://schemas.microsoft.com/office/drawing/2012/chart">
       <p:transition spd="med">
         <p:fade/>
       </p:transition>
@@ -6583,7 +6583,7 @@
         </p:blipFill>
         <p:spPr>
           <a:xfrm>
-            <a:off x="3923928" y="1628800"/>
+            <a:off x="3779912" y="1340768"/>
             <a:ext cx="2736304" cy="5053175"/>
           </a:xfrm>
           <a:prstGeom prst="rect">
@@ -6669,7 +6669,7 @@
         <p:fade/>
       </p:transition>
     </mc:Choice>
-    <mc:Fallback xmlns:c15="http://schemas.microsoft.com/office/drawing/2012/chart" xmlns:c="http://schemas.openxmlformats.org/drawingml/2006/chart" xmlns="">
+    <mc:Fallback xmlns="" xmlns:c="http://schemas.openxmlformats.org/drawingml/2006/chart" xmlns:c15="http://schemas.microsoft.com/office/drawing/2012/chart">
       <p:transition spd="med">
         <p:fade/>
       </p:transition>
@@ -8025,7 +8025,7 @@
         <p:fade/>
       </p:transition>
     </mc:Choice>
-    <mc:Fallback xmlns:c15="http://schemas.microsoft.com/office/drawing/2012/chart" xmlns:c="http://schemas.openxmlformats.org/drawingml/2006/chart" xmlns="">
+    <mc:Fallback xmlns="" xmlns:c="http://schemas.openxmlformats.org/drawingml/2006/chart" xmlns:c15="http://schemas.microsoft.com/office/drawing/2012/chart">
       <p:transition spd="med">
         <p:fade/>
       </p:transition>
@@ -12096,8 +12096,8 @@
         </p:nvSpPr>
         <p:spPr>
           <a:xfrm>
-            <a:off x="1403648" y="1772816"/>
-            <a:ext cx="6552728" cy="3000180"/>
+            <a:off x="1619672" y="1844824"/>
+            <a:ext cx="6552728" cy="2369238"/>
           </a:xfrm>
           <a:prstGeom prst="rect">
             <a:avLst/>
@@ -12534,165 +12534,6 @@
                 <a:cs typeface="Times New Roman"/>
               </a:rPr>
               <a:t>peño</a:t>
-            </a:r>
-            <a:r>
-              <a:rPr lang="es-ES" spc="-11" dirty="0">
-                <a:cs typeface="Times New Roman"/>
-              </a:rPr>
-              <a:t>.</a:t>
-            </a:r>
-            <a:endParaRPr dirty="0">
-              <a:cs typeface="Times New Roman"/>
-            </a:endParaRPr>
-          </a:p>
-          <a:p>
-            <a:pPr marL="581025" indent="-285750">
-              <a:lnSpc>
-                <a:spcPct val="200000"/>
-              </a:lnSpc>
-              <a:spcAft>
-                <a:spcPts val="600"/>
-              </a:spcAft>
-              <a:buFont typeface="Arial" panose="020B0604020202020204" pitchFamily="34" charset="0"/>
-              <a:buChar char="•"/>
-            </a:pPr>
-            <a:r>
-              <a:rPr spc="-15" dirty="0" err="1">
-                <a:cs typeface="Times New Roman"/>
-              </a:rPr>
-              <a:t>S</a:t>
-            </a:r>
-            <a:r>
-              <a:rPr spc="-8" dirty="0" err="1">
-                <a:cs typeface="Times New Roman"/>
-              </a:rPr>
-              <a:t>u</a:t>
-            </a:r>
-            <a:r>
-              <a:rPr spc="-30" dirty="0" err="1">
-                <a:cs typeface="Times New Roman"/>
-              </a:rPr>
-              <a:t>m</a:t>
-            </a:r>
-            <a:r>
-              <a:rPr spc="-8" dirty="0" err="1">
-                <a:cs typeface="Times New Roman"/>
-              </a:rPr>
-              <a:t>inis</a:t>
-            </a:r>
-            <a:r>
-              <a:rPr spc="-4" dirty="0" err="1">
-                <a:cs typeface="Times New Roman"/>
-              </a:rPr>
-              <a:t>t</a:t>
-            </a:r>
-            <a:r>
-              <a:rPr spc="-11" dirty="0" err="1">
-                <a:cs typeface="Times New Roman"/>
-              </a:rPr>
-              <a:t>rar</a:t>
-            </a:r>
-            <a:r>
-              <a:rPr spc="8" dirty="0">
-                <a:cs typeface="Times New Roman"/>
-              </a:rPr>
-              <a:t> </a:t>
-            </a:r>
-            <a:r>
-              <a:rPr spc="-30" dirty="0">
-                <a:cs typeface="Times New Roman"/>
-              </a:rPr>
-              <a:t>m</a:t>
-            </a:r>
-            <a:r>
-              <a:rPr spc="-11" dirty="0">
-                <a:cs typeface="Times New Roman"/>
-              </a:rPr>
-              <a:t>e</a:t>
-            </a:r>
-            <a:r>
-              <a:rPr spc="-23" dirty="0">
-                <a:cs typeface="Times New Roman"/>
-              </a:rPr>
-              <a:t>c</a:t>
-            </a:r>
-            <a:r>
-              <a:rPr spc="-11" dirty="0">
-                <a:cs typeface="Times New Roman"/>
-              </a:rPr>
-              <a:t>anismos</a:t>
-            </a:r>
-            <a:r>
-              <a:rPr spc="4" dirty="0">
-                <a:cs typeface="Times New Roman"/>
-              </a:rPr>
-              <a:t> </a:t>
-            </a:r>
-            <a:r>
-              <a:rPr spc="-8" dirty="0">
-                <a:cs typeface="Times New Roman"/>
-              </a:rPr>
-              <a:t>d</a:t>
-            </a:r>
-            <a:r>
-              <a:rPr spc="-11" dirty="0">
-                <a:cs typeface="Times New Roman"/>
-              </a:rPr>
-              <a:t>e</a:t>
-            </a:r>
-            <a:r>
-              <a:rPr spc="-8" dirty="0">
-                <a:cs typeface="Times New Roman"/>
-              </a:rPr>
-              <a:t> </a:t>
-            </a:r>
-            <a:r>
-              <a:rPr spc="-11" dirty="0">
-                <a:cs typeface="Times New Roman"/>
-              </a:rPr>
-              <a:t>con</a:t>
-            </a:r>
-            <a:r>
-              <a:rPr spc="-4" dirty="0">
-                <a:cs typeface="Times New Roman"/>
-              </a:rPr>
-              <a:t>t</a:t>
-            </a:r>
-            <a:r>
-              <a:rPr spc="-8" dirty="0">
-                <a:cs typeface="Times New Roman"/>
-              </a:rPr>
-              <a:t>rol d</a:t>
-            </a:r>
-            <a:r>
-              <a:rPr spc="-11" dirty="0">
-                <a:cs typeface="Times New Roman"/>
-              </a:rPr>
-              <a:t>e</a:t>
-            </a:r>
-            <a:r>
-              <a:rPr spc="-8" dirty="0">
-                <a:cs typeface="Times New Roman"/>
-              </a:rPr>
-              <a:t> </a:t>
-            </a:r>
-            <a:r>
-              <a:rPr spc="-8" dirty="0" err="1">
-                <a:cs typeface="Times New Roman"/>
-              </a:rPr>
-              <a:t>fl</a:t>
-            </a:r>
-            <a:r>
-              <a:rPr spc="-4" dirty="0" err="1">
-                <a:cs typeface="Times New Roman"/>
-              </a:rPr>
-              <a:t>u</a:t>
-            </a:r>
-            <a:r>
-              <a:rPr spc="-11" dirty="0" err="1">
-                <a:cs typeface="Times New Roman"/>
-              </a:rPr>
-              <a:t>jo</a:t>
             </a:r>
             <a:r>
               <a:rPr lang="es-ES" spc="-11" dirty="0">
@@ -17816,7 +17657,7 @@
               <a:t> </a:t>
             </a:r>
             <a:r>
-              <a:rPr sz="1950" b="1" dirty="0">
+              <a:rPr sz="1950" b="1" dirty="0" err="1">
                 <a:solidFill>
                   <a:srgbClr val="3333CC"/>
                 </a:solidFill>
@@ -17826,7 +17667,7 @@
               <a:t>IP_O</a:t>
             </a:r>
             <a:r>
-              <a:rPr sz="1950" b="1" spc="-11" dirty="0">
+              <a:rPr sz="1950" b="1" spc="-11" dirty="0" err="1">
                 <a:solidFill>
                   <a:srgbClr val="3333CC"/>
                 </a:solidFill>
@@ -17836,14 +17677,24 @@
               <a:t>r</a:t>
             </a:r>
             <a:r>
-              <a:rPr sz="1950" b="1" dirty="0">
+              <a:rPr sz="1950" b="1" dirty="0" err="1">
                 <a:solidFill>
                   <a:srgbClr val="3333CC"/>
                 </a:solidFill>
                 <a:latin typeface="Arial Narrow"/>
                 <a:cs typeface="Arial Narrow"/>
               </a:rPr>
-              <a:t>igen	</a:t>
+              <a:t>igen</a:t>
+            </a:r>
+            <a:r>
+              <a:rPr lang="es-MX" sz="1950" b="1" dirty="0">
+                <a:solidFill>
+                  <a:srgbClr val="3333CC"/>
+                </a:solidFill>
+                <a:latin typeface="Arial Narrow"/>
+                <a:cs typeface="Arial Narrow"/>
+              </a:rPr>
+              <a:t> </a:t>
             </a:r>
             <a:r>
               <a:rPr sz="1950" b="1" spc="-4" dirty="0">
